--- a/ITEC621 Final Presentation.pptx
+++ b/ITEC621 Final Presentation.pptx
@@ -2387,16 +2387,16 @@
     <dgm:cxn modelId="{D2F2603B-EF1E-124F-A3C0-FF046F920D7F}" srcId="{D467D908-B77D-6F4B-987C-0A01CE609E0A}" destId="{16643DED-9A87-E340-B61C-750ED697BA01}" srcOrd="0" destOrd="0" parTransId="{A53FE9B2-5A5B-0B49-BDFC-6FF268597B32}" sibTransId="{948D5AA7-E30F-564B-B4ED-C9EBAA6896D5}"/>
     <dgm:cxn modelId="{9342403D-99D7-C54F-B144-0CE5ECAE9EB3}" type="presOf" srcId="{B8D4E0F7-4BFC-3640-A4DF-85E6AEBD80BB}" destId="{02572821-1484-004F-A434-B5B94E4B007A}" srcOrd="0" destOrd="0" presId="urn:microsoft.com/office/officeart/2005/8/layout/target3"/>
     <dgm:cxn modelId="{21B6883E-8221-184F-9478-1FD9970D7F88}" srcId="{73F63868-D91D-3C44-9832-4347641F56F7}" destId="{30344883-E443-E147-A057-ABD24E24BBFD}" srcOrd="1" destOrd="0" parTransId="{291EA59D-C543-DC40-90F7-CF43A27882DB}" sibTransId="{12416B76-B5B7-134A-878B-87A9D6BF5410}"/>
+    <dgm:cxn modelId="{39B7855B-6DDE-0640-9E7C-DE512E725642}" type="presOf" srcId="{0C9EDF8D-5CB0-F849-BC5A-435B0AE8AAD6}" destId="{6F6D6810-12D5-CD41-8784-05353A01CE8D}" srcOrd="0" destOrd="2" presId="urn:microsoft.com/office/officeart/2005/8/layout/target3"/>
     <dgm:cxn modelId="{DDE94B42-5EA3-3648-82A1-0120E5424839}" type="presOf" srcId="{73F63868-D91D-3C44-9832-4347641F56F7}" destId="{74359BD1-E7EE-464D-9FD6-122508C82538}" srcOrd="1" destOrd="0" presId="urn:microsoft.com/office/officeart/2005/8/layout/target3"/>
+    <dgm:cxn modelId="{C7BDD262-C059-2645-B504-FE813B597F91}" type="presOf" srcId="{8E086433-E688-9A46-92CD-A11E96851423}" destId="{6F6D6810-12D5-CD41-8784-05353A01CE8D}" srcOrd="0" destOrd="1" presId="urn:microsoft.com/office/officeart/2005/8/layout/target3"/>
     <dgm:cxn modelId="{075B0A44-7A22-C647-8314-31B3C0B3BB23}" type="presOf" srcId="{EE9B7F0B-903A-9F46-B85B-10129C302EA7}" destId="{7630B923-A5B1-2C4D-BBA3-E1E0011EECAD}" srcOrd="0" destOrd="1" presId="urn:microsoft.com/office/officeart/2005/8/layout/target3"/>
+    <dgm:cxn modelId="{856F1A64-F680-CF4D-98F5-AAF9822F3722}" type="presOf" srcId="{3A740FA3-1D88-AC49-B662-563AD46D9AA8}" destId="{A2888C51-6C94-8842-8B4D-D580B344242A}" srcOrd="0" destOrd="1" presId="urn:microsoft.com/office/officeart/2005/8/layout/target3"/>
     <dgm:cxn modelId="{DBCCF052-CE7F-4149-BC71-98E525BE10EF}" srcId="{58CADE2F-2271-DC46-8242-2328D46EE63A}" destId="{D9F458D0-F8F8-8843-90D0-45BBA1AEB515}" srcOrd="0" destOrd="0" parTransId="{F2823EFB-B3DA-164E-A5C5-1C7A4159624B}" sibTransId="{23376211-C851-1F46-B5B8-687BD6F9EA3A}"/>
+    <dgm:cxn modelId="{5C29F374-6321-BC4F-B68B-C2DAD0C66F6E}" type="presOf" srcId="{16643DED-9A87-E340-B61C-750ED697BA01}" destId="{7630B923-A5B1-2C4D-BBA3-E1E0011EECAD}" srcOrd="0" destOrd="0" presId="urn:microsoft.com/office/officeart/2005/8/layout/target3"/>
     <dgm:cxn modelId="{BF2B7355-2D37-614E-894E-152DDB82D8EE}" srcId="{58CADE2F-2271-DC46-8242-2328D46EE63A}" destId="{4910C252-D503-C64F-A8CF-1D18649E813F}" srcOrd="3" destOrd="0" parTransId="{AE614EC0-4B72-1243-B678-E9302A2C7B0D}" sibTransId="{DFC5F2D5-8284-3E4B-B7D2-F438B6BE8438}"/>
+    <dgm:cxn modelId="{9AABEF76-1899-D944-A05A-CD11D45ECB2C}" type="presOf" srcId="{7EAC4FCA-0B49-9C4B-85AA-3F6BEA0132CF}" destId="{A2888C51-6C94-8842-8B4D-D580B344242A}" srcOrd="0" destOrd="2" presId="urn:microsoft.com/office/officeart/2005/8/layout/target3"/>
     <dgm:cxn modelId="{E30DF257-D217-1E46-835B-17E40773608B}" srcId="{B8D4E0F7-4BFC-3640-A4DF-85E6AEBD80BB}" destId="{08D148B4-4095-3942-96BD-548E2BE219E9}" srcOrd="2" destOrd="0" parTransId="{C5676C2B-7398-3241-968E-B79ABB4040BA}" sibTransId="{35C92DAB-FB06-F440-8B95-212E5FF09785}"/>
-    <dgm:cxn modelId="{39B7855B-6DDE-0640-9E7C-DE512E725642}" type="presOf" srcId="{0C9EDF8D-5CB0-F849-BC5A-435B0AE8AAD6}" destId="{6F6D6810-12D5-CD41-8784-05353A01CE8D}" srcOrd="0" destOrd="2" presId="urn:microsoft.com/office/officeart/2005/8/layout/target3"/>
-    <dgm:cxn modelId="{C7BDD262-C059-2645-B504-FE813B597F91}" type="presOf" srcId="{8E086433-E688-9A46-92CD-A11E96851423}" destId="{6F6D6810-12D5-CD41-8784-05353A01CE8D}" srcOrd="0" destOrd="1" presId="urn:microsoft.com/office/officeart/2005/8/layout/target3"/>
-    <dgm:cxn modelId="{856F1A64-F680-CF4D-98F5-AAF9822F3722}" type="presOf" srcId="{3A740FA3-1D88-AC49-B662-563AD46D9AA8}" destId="{A2888C51-6C94-8842-8B4D-D580B344242A}" srcOrd="0" destOrd="1" presId="urn:microsoft.com/office/officeart/2005/8/layout/target3"/>
-    <dgm:cxn modelId="{5C29F374-6321-BC4F-B68B-C2DAD0C66F6E}" type="presOf" srcId="{16643DED-9A87-E340-B61C-750ED697BA01}" destId="{7630B923-A5B1-2C4D-BBA3-E1E0011EECAD}" srcOrd="0" destOrd="0" presId="urn:microsoft.com/office/officeart/2005/8/layout/target3"/>
-    <dgm:cxn modelId="{9AABEF76-1899-D944-A05A-CD11D45ECB2C}" type="presOf" srcId="{7EAC4FCA-0B49-9C4B-85AA-3F6BEA0132CF}" destId="{A2888C51-6C94-8842-8B4D-D580B344242A}" srcOrd="0" destOrd="2" presId="urn:microsoft.com/office/officeart/2005/8/layout/target3"/>
     <dgm:cxn modelId="{2F46FC7A-3D31-3149-80C8-62168CB2693A}" srcId="{73F63868-D91D-3C44-9832-4347641F56F7}" destId="{90044332-DA92-8A45-90C9-1C7F595039EA}" srcOrd="0" destOrd="0" parTransId="{1002D733-F69B-DB4A-9D2C-5E4C0886A6D9}" sibTransId="{0C035AFD-EAF9-B745-95FA-DC4FAB5B4C1D}"/>
     <dgm:cxn modelId="{DC91947C-8852-B043-9BD7-21EC0FBC8F76}" type="presOf" srcId="{18194691-F3CE-3A41-B574-98BEC66D93BD}" destId="{7630B923-A5B1-2C4D-BBA3-E1E0011EECAD}" srcOrd="0" destOrd="4" presId="urn:microsoft.com/office/officeart/2005/8/layout/target3"/>
     <dgm:cxn modelId="{CE796F80-895C-1A4D-9CCF-5409842321F3}" srcId="{58CADE2F-2271-DC46-8242-2328D46EE63A}" destId="{7EAC4FCA-0B49-9C4B-85AA-3F6BEA0132CF}" srcOrd="2" destOrd="0" parTransId="{D9A03463-4DE0-E943-8029-FEBBC3D17666}" sibTransId="{B2804C93-DAEB-0044-B636-148E093B0BCD}"/>
@@ -3099,34 +3099,20 @@
       </dsp:nvSpPr>
       <dsp:spPr>
         <a:xfrm>
-          <a:off x="2291244" y="973778"/>
-          <a:ext cx="7087862" cy="3379585"/>
+          <a:off x="5835175" y="973778"/>
+          <a:ext cx="3543931" cy="973778"/>
         </a:xfrm>
         <a:prstGeom prst="rect">
           <a:avLst/>
         </a:prstGeom>
-        <a:solidFill>
-          <a:schemeClr val="lt1">
-            <a:alpha val="90000"/>
-            <a:hueOff val="0"/>
-            <a:satOff val="0"/>
-            <a:lumOff val="0"/>
-            <a:alphaOff val="0"/>
-          </a:schemeClr>
-        </a:solidFill>
+        <a:noFill/>
         <a:ln w="12700" cap="flat" cmpd="sng" algn="ctr">
-          <a:solidFill>
-            <a:schemeClr val="accent1">
-              <a:hueOff val="0"/>
-              <a:satOff val="0"/>
-              <a:lumOff val="0"/>
-              <a:alphaOff val="0"/>
-            </a:schemeClr>
-          </a:solidFill>
+          <a:noFill/>
           <a:prstDash val="solid"/>
           <a:miter lim="800000"/>
         </a:ln>
         <a:effectLst/>
+        <a:sp3d/>
       </dsp:spPr>
       <dsp:style>
         <a:lnRef idx="2">
@@ -3272,34 +3258,20 @@
       </dsp:nvSpPr>
       <dsp:spPr>
         <a:xfrm>
-          <a:off x="2291244" y="1947557"/>
-          <a:ext cx="7087862" cy="2176682"/>
+          <a:off x="5835175" y="1947557"/>
+          <a:ext cx="3543931" cy="973778"/>
         </a:xfrm>
         <a:prstGeom prst="rect">
           <a:avLst/>
         </a:prstGeom>
-        <a:solidFill>
-          <a:schemeClr val="lt1">
-            <a:alpha val="90000"/>
-            <a:hueOff val="0"/>
-            <a:satOff val="0"/>
-            <a:lumOff val="0"/>
-            <a:alphaOff val="0"/>
-          </a:schemeClr>
-        </a:solidFill>
+        <a:noFill/>
         <a:ln w="12700" cap="flat" cmpd="sng" algn="ctr">
-          <a:solidFill>
-            <a:schemeClr val="accent1">
-              <a:hueOff val="0"/>
-              <a:satOff val="0"/>
-              <a:lumOff val="0"/>
-              <a:alphaOff val="0"/>
-            </a:schemeClr>
-          </a:solidFill>
+          <a:noFill/>
           <a:prstDash val="solid"/>
           <a:miter lim="800000"/>
         </a:ln>
         <a:effectLst/>
+        <a:sp3d/>
       </dsp:spPr>
       <dsp:style>
         <a:lnRef idx="2">
@@ -3392,34 +3364,20 @@
       </dsp:nvSpPr>
       <dsp:spPr>
         <a:xfrm>
-          <a:off x="2291244" y="2921336"/>
-          <a:ext cx="7087862" cy="973778"/>
+          <a:off x="5835175" y="2921336"/>
+          <a:ext cx="3543931" cy="973778"/>
         </a:xfrm>
         <a:prstGeom prst="rect">
           <a:avLst/>
         </a:prstGeom>
-        <a:solidFill>
-          <a:schemeClr val="lt1">
-            <a:alpha val="90000"/>
-            <a:hueOff val="0"/>
-            <a:satOff val="0"/>
-            <a:lumOff val="0"/>
-            <a:alphaOff val="0"/>
-          </a:schemeClr>
-        </a:solidFill>
+        <a:noFill/>
         <a:ln w="12700" cap="flat" cmpd="sng" algn="ctr">
-          <a:solidFill>
-            <a:schemeClr val="accent1">
-              <a:hueOff val="0"/>
-              <a:satOff val="0"/>
-              <a:lumOff val="0"/>
-              <a:alphaOff val="0"/>
-            </a:schemeClr>
-          </a:solidFill>
+          <a:noFill/>
           <a:prstDash val="solid"/>
           <a:miter lim="800000"/>
         </a:ln>
         <a:effectLst/>
+        <a:sp3d/>
       </dsp:spPr>
       <dsp:style>
         <a:lnRef idx="2">
@@ -7127,7 +7085,7 @@
           <a:p>
             <a:fld id="{B56F32FC-4BD9-442A-A8C6-51598C909FE3}" type="datetimeFigureOut">
               <a:rPr lang="en-US" smtClean="0"/>
-              <a:t>3/5/25</a:t>
+              <a:t>3/5/2025</a:t>
             </a:fld>
             <a:endParaRPr lang="en-US" dirty="0"/>
           </a:p>
@@ -7304,7 +7262,7 @@
           <a:p>
             <a:fld id="{056371FA-A98D-41E8-93F4-09945841298A}" type="datetimeFigureOut">
               <a:rPr lang="en-US" smtClean="0"/>
-              <a:t>3/5/25</a:t>
+              <a:t>3/5/2025</a:t>
             </a:fld>
             <a:endParaRPr lang="en-US" dirty="0"/>
           </a:p>
@@ -13828,28 +13786,102 @@
         </p:nvSpPr>
         <p:spPr>
           <a:xfrm>
-            <a:off x="6991350" y="487018"/>
-            <a:ext cx="4179570" cy="5849614"/>
+            <a:off x="6824421" y="666426"/>
+            <a:ext cx="5074920" cy="5532895"/>
           </a:xfrm>
         </p:spPr>
         <p:txBody>
-          <a:bodyPr/>
+          <a:bodyPr anchor="t"/>
           <a:lstStyle/>
           <a:p>
             <a:r>
-              <a:rPr lang="en-US" dirty="0"/>
-              <a:t>Business question –</a:t>
+              <a:rPr lang="en-US" sz="2400" dirty="0">
+                <a:latin typeface="+mn-lt"/>
+              </a:rPr>
+              <a:t>Analytics question - </a:t>
+            </a:r>
+            <a:r>
+              <a:rPr lang="en-US" sz="2400" kern="100" dirty="0">
+                <a:effectLst/>
+                <a:latin typeface="+mn-lt"/>
+                <a:ea typeface="Aptos" panose="020B0004020202020204" pitchFamily="34" charset="0"/>
+                <a:cs typeface="Times New Roman" panose="02020603050405020304" pitchFamily="18" charset="0"/>
+              </a:rPr>
+              <a:t>In our study, we aim to understand the effect that various economic (federal interest rate, median home sale prices, and others) and social (crime rates, unemployment rates) predicators have on the value of a single-family property. Our analytics question revolves around a quantitative outcome (price) and can be analyzed using quantitative methods, as the data will be numeric.</a:t>
             </a:r>
             <a:br>
-              <a:rPr lang="en-US" dirty="0"/>
+              <a:rPr lang="en-US" sz="1800" kern="100" dirty="0">
+                <a:effectLst/>
+                <a:latin typeface="Aptos" panose="020B0004020202020204" pitchFamily="34" charset="0"/>
+                <a:ea typeface="Aptos" panose="020B0004020202020204" pitchFamily="34" charset="0"/>
+                <a:cs typeface="Times New Roman" panose="02020603050405020304" pitchFamily="18" charset="0"/>
+              </a:rPr>
             </a:br>
+            <a:endParaRPr lang="en-US" dirty="0"/>
+          </a:p>
+        </p:txBody>
+      </p:sp>
+      <p:sp>
+        <p:nvSpPr>
+          <p:cNvPr id="3" name="Title 1">
+            <a:extLst>
+              <a:ext uri="{FF2B5EF4-FFF2-40B4-BE49-F238E27FC236}">
+                <a16:creationId xmlns:a16="http://schemas.microsoft.com/office/drawing/2014/main" id="{04495604-54A6-DCD1-D2A0-F46A4E452DC0}"/>
+              </a:ext>
+            </a:extLst>
+          </p:cNvPr>
+          <p:cNvSpPr txBox="1">
+            <a:spLocks/>
+          </p:cNvSpPr>
+          <p:nvPr/>
+        </p:nvSpPr>
+        <p:spPr>
+          <a:xfrm>
+            <a:off x="556970" y="3429000"/>
+            <a:ext cx="4179570" cy="3001505"/>
+          </a:xfrm>
+          <a:prstGeom prst="rect">
+            <a:avLst/>
+          </a:prstGeom>
+        </p:spPr>
+        <p:txBody>
+          <a:bodyPr vert="horz" lIns="91440" tIns="45720" rIns="91440" bIns="45720" rtlCol="0" anchor="t">
+            <a:noAutofit/>
+          </a:bodyPr>
+          <a:lstStyle>
+            <a:lvl1pPr algn="l" defTabSz="914400" rtl="0" eaLnBrk="1" latinLnBrk="0" hangingPunct="1">
+              <a:lnSpc>
+                <a:spcPct val="90000"/>
+              </a:lnSpc>
+              <a:spcBef>
+                <a:spcPct val="0"/>
+              </a:spcBef>
+              <a:buNone/>
+              <a:defRPr sz="3600" kern="1200" cap="all" spc="150" baseline="0">
+                <a:solidFill>
+                  <a:schemeClr val="tx1"/>
+                </a:solidFill>
+                <a:latin typeface="+mj-lt"/>
+                <a:ea typeface="+mj-ea"/>
+                <a:cs typeface="+mj-cs"/>
+              </a:defRPr>
+            </a:lvl1pPr>
+          </a:lstStyle>
+          <a:p>
+            <a:r>
+              <a:rPr lang="en-US" sz="2400" dirty="0">
+                <a:latin typeface="+mn-lt"/>
+              </a:rPr>
+              <a:t>Business question – how can we use economic and social factors to predict the price of a single-family home?</a:t>
+            </a:r>
             <a:br>
-              <a:rPr lang="en-US" dirty="0"/>
+              <a:rPr lang="en-US" sz="1800" kern="100" dirty="0">
+                <a:latin typeface="Aptos" panose="020B0004020202020204" pitchFamily="34" charset="0"/>
+                <a:ea typeface="Aptos" panose="020B0004020202020204" pitchFamily="34" charset="0"/>
+                <a:cs typeface="Times New Roman" panose="02020603050405020304" pitchFamily="18" charset="0"/>
+              </a:rPr>
             </a:br>
-            <a:r>
-              <a:rPr lang="en-US" dirty="0"/>
-              <a:t>Analytics question -</a:t>
-            </a:r>
+            <a:endParaRPr lang="en-US" dirty="0"/>
           </a:p>
         </p:txBody>
       </p:sp>
@@ -14551,8 +14583,8 @@
           </a:p>
         </p:txBody>
       </p:sp>
-      <mc:AlternateContent xmlns:mc="http://schemas.openxmlformats.org/markup-compatibility/2006">
-        <mc:Choice xmlns:a14="http://schemas.microsoft.com/office/drawing/2010/main" Requires="a14">
+      <mc:AlternateContent xmlns:mc="http://schemas.openxmlformats.org/markup-compatibility/2006" xmlns:a14="http://schemas.microsoft.com/office/drawing/2010/main">
+        <mc:Choice Requires="a14">
           <p:sp>
             <p:nvSpPr>
               <p:cNvPr id="5" name="Content Placeholder 34">
@@ -14930,7 +14962,7 @@
             </p:txBody>
           </p:sp>
         </mc:Choice>
-        <mc:Fallback>
+        <mc:Fallback xmlns="">
           <p:sp>
             <p:nvSpPr>
               <p:cNvPr id="5" name="Content Placeholder 34">
@@ -15507,8 +15539,8 @@
           </a:p>
         </p:txBody>
       </p:sp>
-      <mc:AlternateContent xmlns:mc="http://schemas.openxmlformats.org/markup-compatibility/2006">
-        <mc:Choice xmlns:a14="http://schemas.microsoft.com/office/drawing/2010/main" Requires="a14">
+      <mc:AlternateContent xmlns:mc="http://schemas.openxmlformats.org/markup-compatibility/2006" xmlns:a14="http://schemas.microsoft.com/office/drawing/2010/main">
+        <mc:Choice Requires="a14">
           <p:sp>
             <p:nvSpPr>
               <p:cNvPr id="5" name="Content Placeholder 34">
@@ -15873,7 +15905,7 @@
             </p:txBody>
           </p:sp>
         </mc:Choice>
-        <mc:Fallback>
+        <mc:Fallback xmlns="">
           <p:sp>
             <p:nvSpPr>
               <p:cNvPr id="5" name="Content Placeholder 34">
@@ -16459,8 +16491,8 @@
           </a:p>
         </p:txBody>
       </p:sp>
-      <mc:AlternateContent xmlns:mc="http://schemas.openxmlformats.org/markup-compatibility/2006">
-        <mc:Choice xmlns:a14="http://schemas.microsoft.com/office/drawing/2010/main" Requires="a14">
+      <mc:AlternateContent xmlns:mc="http://schemas.openxmlformats.org/markup-compatibility/2006" xmlns:a14="http://schemas.microsoft.com/office/drawing/2010/main">
+        <mc:Choice Requires="a14">
           <p:sp>
             <p:nvSpPr>
               <p:cNvPr id="5" name="Content Placeholder 34">
@@ -16825,7 +16857,7 @@
             </p:txBody>
           </p:sp>
         </mc:Choice>
-        <mc:Fallback>
+        <mc:Fallback xmlns="">
           <p:sp>
             <p:nvSpPr>
               <p:cNvPr id="5" name="Content Placeholder 34">
@@ -17103,8 +17135,8 @@
           </a:p>
         </p:txBody>
       </p:sp>
-      <mc:AlternateContent xmlns:mc="http://schemas.openxmlformats.org/markup-compatibility/2006">
-        <mc:Choice xmlns:a14="http://schemas.microsoft.com/office/drawing/2010/main" Requires="a14">
+      <mc:AlternateContent xmlns:mc="http://schemas.openxmlformats.org/markup-compatibility/2006" xmlns:a14="http://schemas.microsoft.com/office/drawing/2010/main">
+        <mc:Choice Requires="a14">
           <p:sp>
             <p:nvSpPr>
               <p:cNvPr id="36" name="Content Placeholder 35">
@@ -17194,7 +17226,7 @@
             </p:txBody>
           </p:sp>
         </mc:Choice>
-        <mc:Fallback>
+        <mc:Fallback xmlns="">
           <p:sp>
             <p:nvSpPr>
               <p:cNvPr id="36" name="Content Placeholder 35">
@@ -17611,7 +17643,7 @@
           <a:p>
             <a:r>
               <a:rPr lang="en-US" dirty="0"/>
-              <a:t>Practice makes perfect</a:t>
+              <a:t>Models &amp; Analysis</a:t>
             </a:r>
           </a:p>
         </p:txBody>
@@ -17646,53 +17678,27 @@
           <a:p>
             <a:r>
               <a:rPr lang="en-US" dirty="0"/>
-              <a:t>Consistent rehearsal</a:t>
+              <a:t>We were able to identify key predictors (mortgage rates, federal interest rates, </a:t>
             </a:r>
-          </a:p>
-          <a:p>
-            <a:pPr lvl="1"/>
+            <a:r>
+              <a:rPr lang="en-US" dirty="0" err="1"/>
+              <a:t>etc</a:t>
+            </a:r>
             <a:r>
               <a:rPr lang="en-US" dirty="0"/>
-              <a:t>Strengthen your familiarity</a:t>
+              <a:t>)</a:t>
             </a:r>
           </a:p>
           <a:p>
             <a:r>
               <a:rPr lang="en-US" dirty="0"/>
-              <a:t>Refine delivery style</a:t>
+              <a:t>Our models explain 99.66% of the variance; major explanatory power</a:t>
             </a:r>
           </a:p>
           <a:p>
-            <a:pPr lvl="1"/>
             <a:r>
               <a:rPr lang="en-US" dirty="0"/>
-              <a:t>Pacing, tone, and emphasis</a:t>
-            </a:r>
-          </a:p>
-          <a:p>
-            <a:r>
-              <a:rPr lang="en-US" dirty="0"/>
-              <a:t>Timing and transitions</a:t>
-            </a:r>
-          </a:p>
-          <a:p>
-            <a:pPr lvl="1"/>
-            <a:r>
-              <a:rPr lang="en-US" dirty="0"/>
-              <a:t>Aim for seamless, professional delivery</a:t>
-            </a:r>
-          </a:p>
-          <a:p>
-            <a:r>
-              <a:rPr lang="en-US" dirty="0"/>
-              <a:t>Practice audience</a:t>
-            </a:r>
-          </a:p>
-          <a:p>
-            <a:pPr lvl="1"/>
-            <a:r>
-              <a:rPr lang="en-US" dirty="0"/>
-              <a:t>Enlist colleagues to listen &amp; provide feedback</a:t>
+              <a:t>Still suffer from serial correlation and heteroskedasticity</a:t>
             </a:r>
           </a:p>
           <a:p>
@@ -17728,7 +17734,7 @@
           <a:p>
             <a:r>
               <a:rPr lang="en-US" dirty="0"/>
-              <a:t>Continue improving</a:t>
+              <a:t>Implications</a:t>
             </a:r>
           </a:p>
         </p:txBody>
@@ -17763,31 +17769,13 @@
           <a:p>
             <a:r>
               <a:rPr lang="en-US" dirty="0"/>
-              <a:t>Seek feedback</a:t>
+              <a:t>Future work can build upon this and integrate additional variables in an attempt to offset the serial correlation.</a:t>
             </a:r>
           </a:p>
           <a:p>
             <a:r>
               <a:rPr lang="en-US" dirty="0"/>
-              <a:t>Reflect on performance</a:t>
-            </a:r>
-          </a:p>
-          <a:p>
-            <a:r>
-              <a:rPr lang="en-US" dirty="0"/>
-              <a:t>Explore new techniques</a:t>
-            </a:r>
-          </a:p>
-          <a:p>
-            <a:r>
-              <a:rPr lang="en-US" dirty="0"/>
-              <a:t>Set personal goals</a:t>
-            </a:r>
-          </a:p>
-          <a:p>
-            <a:r>
-              <a:rPr lang="en-US" dirty="0"/>
-              <a:t>Iterate and adapt</a:t>
+              <a:t>We hope this research provides a comprehensive framework that key stakeholders can use to make information decisions about the housing market.</a:t>
             </a:r>
           </a:p>
         </p:txBody>
@@ -18632,35 +18620,6 @@
 </file>
 
 <file path=customXml/item1.xml><?xml version="1.0" encoding="utf-8"?>
-<p:properties xmlns:p="http://schemas.microsoft.com/office/2006/metadata/properties" xmlns:xsi="http://www.w3.org/2001/XMLSchema-instance" xmlns:pc="http://schemas.microsoft.com/office/infopath/2007/PartnerControls">
-  <documentManagement>
-    <_ip_UnifiedCompliancePolicyUIAction xmlns="http://schemas.microsoft.com/sharepoint/v3" xsi:nil="true"/>
-    <Image xmlns="71af3243-3dd4-4a8d-8c0d-dd76da1f02a5">
-      <Url xsi:nil="true"/>
-      <Description xsi:nil="true"/>
-    </Image>
-    <Status xmlns="71af3243-3dd4-4a8d-8c0d-dd76da1f02a5">Not started</Status>
-    <Background xmlns="71af3243-3dd4-4a8d-8c0d-dd76da1f02a5">false</Background>
-    <_ip_UnifiedCompliancePolicyProperties xmlns="http://schemas.microsoft.com/sharepoint/v3" xsi:nil="true"/>
-    <ImageTagsTaxHTField xmlns="71af3243-3dd4-4a8d-8c0d-dd76da1f02a5">
-      <Terms xmlns="http://schemas.microsoft.com/office/infopath/2007/PartnerControls"/>
-    </ImageTagsTaxHTField>
-    <TaxCatchAll xmlns="230e9df3-be65-4c73-a93b-d1236ebd677e" xsi:nil="true"/>
-    <MediaServiceKeyPoints xmlns="71af3243-3dd4-4a8d-8c0d-dd76da1f02a5" xsi:nil="true"/>
-  </documentManagement>
-</p:properties>
-</file>
-
-<file path=customXml/item2.xml><?xml version="1.0" encoding="utf-8"?>
-<?mso-contentType ?>
-<FormTemplates xmlns="http://schemas.microsoft.com/sharepoint/v3/contenttype/forms">
-  <Display>DocumentLibraryForm</Display>
-  <Edit>DocumentLibraryForm</Edit>
-  <New>DocumentLibraryForm</New>
-</FormTemplates>
-</file>
-
-<file path=customXml/item3.xml><?xml version="1.0" encoding="utf-8"?>
 <ct:contentTypeSchema xmlns:ct="http://schemas.microsoft.com/office/2006/metadata/contentType" xmlns:ma="http://schemas.microsoft.com/office/2006/metadata/properties/metaAttributes" ct:_="" ma:_="" ma:contentTypeName="Document" ma:contentTypeID="0x01010079F111ED35F8CC479449609E8A0923A6" ma:contentTypeVersion="28" ma:contentTypeDescription="Create a new document." ma:contentTypeScope="" ma:versionID="60f5a4f2d2b0abadcf532d48ebf9cb71">
   <xsd:schema xmlns:xsd="http://www.w3.org/2001/XMLSchema" xmlns:xs="http://www.w3.org/2001/XMLSchema" xmlns:p="http://schemas.microsoft.com/office/2006/metadata/properties" xmlns:ns1="http://schemas.microsoft.com/sharepoint/v3" xmlns:ns2="71af3243-3dd4-4a8d-8c0d-dd76da1f02a5" xmlns:ns3="16c05727-aa75-4e4a-9b5f-8a80a1165891" xmlns:ns4="230e9df3-be65-4c73-a93b-d1236ebd677e" targetNamespace="http://schemas.microsoft.com/office/2006/metadata/properties" ma:root="true" ma:fieldsID="7dd78129e6a1811f84807ad11c651531" ns1:_="" ns2:_="" ns3:_="" ns4:_="">
     <xsd:import namespace="http://schemas.microsoft.com/sharepoint/v3"/>
@@ -18972,27 +18931,36 @@
 </ct:contentTypeSchema>
 </file>
 
-<file path=customXml/itemProps1.xml><?xml version="1.0" encoding="utf-8"?>
-<ds:datastoreItem xmlns:ds="http://schemas.openxmlformats.org/officeDocument/2006/customXml" ds:itemID="{49168DCE-134F-4610-A6AA-88CEBE8D71D2}">
-  <ds:schemaRefs>
-    <ds:schemaRef ds:uri="http://schemas.microsoft.com/office/2006/metadata/properties"/>
-    <ds:schemaRef ds:uri="http://schemas.microsoft.com/office/infopath/2007/PartnerControls"/>
-    <ds:schemaRef ds:uri="http://schemas.microsoft.com/sharepoint/v3"/>
-    <ds:schemaRef ds:uri="71af3243-3dd4-4a8d-8c0d-dd76da1f02a5"/>
-    <ds:schemaRef ds:uri="230e9df3-be65-4c73-a93b-d1236ebd677e"/>
-  </ds:schemaRefs>
-</ds:datastoreItem>
+<file path=customXml/item2.xml><?xml version="1.0" encoding="utf-8"?>
+<?mso-contentType ?>
+<FormTemplates xmlns="http://schemas.microsoft.com/sharepoint/v3/contenttype/forms">
+  <Display>DocumentLibraryForm</Display>
+  <Edit>DocumentLibraryForm</Edit>
+  <New>DocumentLibraryForm</New>
+</FormTemplates>
 </file>
 
-<file path=customXml/itemProps2.xml><?xml version="1.0" encoding="utf-8"?>
-<ds:datastoreItem xmlns:ds="http://schemas.openxmlformats.org/officeDocument/2006/customXml" ds:itemID="{CABF691C-888B-4061-8A6F-D5CE84A0254B}">
-  <ds:schemaRefs>
-    <ds:schemaRef ds:uri="http://schemas.microsoft.com/sharepoint/v3/contenttype/forms"/>
-  </ds:schemaRefs>
-</ds:datastoreItem>
+<file path=customXml/item3.xml><?xml version="1.0" encoding="utf-8"?>
+<p:properties xmlns:p="http://schemas.microsoft.com/office/2006/metadata/properties" xmlns:xsi="http://www.w3.org/2001/XMLSchema-instance" xmlns:pc="http://schemas.microsoft.com/office/infopath/2007/PartnerControls">
+  <documentManagement>
+    <_ip_UnifiedCompliancePolicyUIAction xmlns="http://schemas.microsoft.com/sharepoint/v3" xsi:nil="true"/>
+    <Image xmlns="71af3243-3dd4-4a8d-8c0d-dd76da1f02a5">
+      <Url xsi:nil="true"/>
+      <Description xsi:nil="true"/>
+    </Image>
+    <Status xmlns="71af3243-3dd4-4a8d-8c0d-dd76da1f02a5">Not started</Status>
+    <Background xmlns="71af3243-3dd4-4a8d-8c0d-dd76da1f02a5">false</Background>
+    <_ip_UnifiedCompliancePolicyProperties xmlns="http://schemas.microsoft.com/sharepoint/v3" xsi:nil="true"/>
+    <ImageTagsTaxHTField xmlns="71af3243-3dd4-4a8d-8c0d-dd76da1f02a5">
+      <Terms xmlns="http://schemas.microsoft.com/office/infopath/2007/PartnerControls"/>
+    </ImageTagsTaxHTField>
+    <TaxCatchAll xmlns="230e9df3-be65-4c73-a93b-d1236ebd677e" xsi:nil="true"/>
+    <MediaServiceKeyPoints xmlns="71af3243-3dd4-4a8d-8c0d-dd76da1f02a5" xsi:nil="true"/>
+  </documentManagement>
+</p:properties>
 </file>
 
-<file path=customXml/itemProps3.xml><?xml version="1.0" encoding="utf-8"?>
+<file path=customXml/itemProps1.xml><?xml version="1.0" encoding="utf-8"?>
 <ds:datastoreItem xmlns:ds="http://schemas.openxmlformats.org/officeDocument/2006/customXml" ds:itemID="{5EDE3176-A15D-46A3-BDDB-64A0D7363224}">
   <ds:schemaRefs>
     <ds:schemaRef ds:uri="http://schemas.microsoft.com/office/2006/metadata/contentType"/>
@@ -19013,6 +18981,26 @@
 </ds:datastoreItem>
 </file>
 
+<file path=customXml/itemProps2.xml><?xml version="1.0" encoding="utf-8"?>
+<ds:datastoreItem xmlns:ds="http://schemas.openxmlformats.org/officeDocument/2006/customXml" ds:itemID="{CABF691C-888B-4061-8A6F-D5CE84A0254B}">
+  <ds:schemaRefs>
+    <ds:schemaRef ds:uri="http://schemas.microsoft.com/sharepoint/v3/contenttype/forms"/>
+  </ds:schemaRefs>
+</ds:datastoreItem>
+</file>
+
+<file path=customXml/itemProps3.xml><?xml version="1.0" encoding="utf-8"?>
+<ds:datastoreItem xmlns:ds="http://schemas.openxmlformats.org/officeDocument/2006/customXml" ds:itemID="{49168DCE-134F-4610-A6AA-88CEBE8D71D2}">
+  <ds:schemaRefs>
+    <ds:schemaRef ds:uri="http://schemas.microsoft.com/office/2006/metadata/properties"/>
+    <ds:schemaRef ds:uri="http://schemas.microsoft.com/office/infopath/2007/PartnerControls"/>
+    <ds:schemaRef ds:uri="http://schemas.microsoft.com/sharepoint/v3"/>
+    <ds:schemaRef ds:uri="71af3243-3dd4-4a8d-8c0d-dd76da1f02a5"/>
+    <ds:schemaRef ds:uri="230e9df3-be65-4c73-a93b-d1236ebd677e"/>
+  </ds:schemaRefs>
+</ds:datastoreItem>
+</file>
+
 <file path=docMetadata/LabelInfo.xml><?xml version="1.0" encoding="utf-8"?>
 <clbl:labelList xmlns:clbl="http://schemas.microsoft.com/office/2020/mipLabelMetadata"/>
 </file>